--- a/assets/portrait.pptx
+++ b/assets/portrait.pptx
@@ -6,6 +6,7 @@
   </p:sldMasterIdLst>
   <p:sldIdLst>
     <p:sldId id="256" r:id="rId2"/>
+    <p:sldId id="257" r:id="rId3"/>
   </p:sldIdLst>
   <p:sldSz cx="2879725" cy="2879725"/>
   <p:notesSz cx="6858000" cy="9144000"/>
@@ -243,7 +244,7 @@
           <a:p>
             <a:fld id="{64EC1CE8-A29A-44CC-ACFB-0466E17C3988}" type="datetimeFigureOut">
               <a:rPr lang="ru-RU" smtClean="0"/>
-              <a:t>27.10.2016</a:t>
+              <a:t>03.11.2016</a:t>
             </a:fld>
             <a:endParaRPr lang="ru-RU"/>
           </a:p>
@@ -413,7 +414,7 @@
           <a:p>
             <a:fld id="{64EC1CE8-A29A-44CC-ACFB-0466E17C3988}" type="datetimeFigureOut">
               <a:rPr lang="ru-RU" smtClean="0"/>
-              <a:t>27.10.2016</a:t>
+              <a:t>03.11.2016</a:t>
             </a:fld>
             <a:endParaRPr lang="ru-RU"/>
           </a:p>
@@ -593,7 +594,7 @@
           <a:p>
             <a:fld id="{64EC1CE8-A29A-44CC-ACFB-0466E17C3988}" type="datetimeFigureOut">
               <a:rPr lang="ru-RU" smtClean="0"/>
-              <a:t>27.10.2016</a:t>
+              <a:t>03.11.2016</a:t>
             </a:fld>
             <a:endParaRPr lang="ru-RU"/>
           </a:p>
@@ -763,7 +764,7 @@
           <a:p>
             <a:fld id="{64EC1CE8-A29A-44CC-ACFB-0466E17C3988}" type="datetimeFigureOut">
               <a:rPr lang="ru-RU" smtClean="0"/>
-              <a:t>27.10.2016</a:t>
+              <a:t>03.11.2016</a:t>
             </a:fld>
             <a:endParaRPr lang="ru-RU"/>
           </a:p>
@@ -1007,7 +1008,7 @@
           <a:p>
             <a:fld id="{64EC1CE8-A29A-44CC-ACFB-0466E17C3988}" type="datetimeFigureOut">
               <a:rPr lang="ru-RU" smtClean="0"/>
-              <a:t>27.10.2016</a:t>
+              <a:t>03.11.2016</a:t>
             </a:fld>
             <a:endParaRPr lang="ru-RU"/>
           </a:p>
@@ -1239,7 +1240,7 @@
           <a:p>
             <a:fld id="{64EC1CE8-A29A-44CC-ACFB-0466E17C3988}" type="datetimeFigureOut">
               <a:rPr lang="ru-RU" smtClean="0"/>
-              <a:t>27.10.2016</a:t>
+              <a:t>03.11.2016</a:t>
             </a:fld>
             <a:endParaRPr lang="ru-RU"/>
           </a:p>
@@ -1606,7 +1607,7 @@
           <a:p>
             <a:fld id="{64EC1CE8-A29A-44CC-ACFB-0466E17C3988}" type="datetimeFigureOut">
               <a:rPr lang="ru-RU" smtClean="0"/>
-              <a:t>27.10.2016</a:t>
+              <a:t>03.11.2016</a:t>
             </a:fld>
             <a:endParaRPr lang="ru-RU"/>
           </a:p>
@@ -1724,7 +1725,7 @@
           <a:p>
             <a:fld id="{64EC1CE8-A29A-44CC-ACFB-0466E17C3988}" type="datetimeFigureOut">
               <a:rPr lang="ru-RU" smtClean="0"/>
-              <a:t>27.10.2016</a:t>
+              <a:t>03.11.2016</a:t>
             </a:fld>
             <a:endParaRPr lang="ru-RU"/>
           </a:p>
@@ -1819,7 +1820,7 @@
           <a:p>
             <a:fld id="{64EC1CE8-A29A-44CC-ACFB-0466E17C3988}" type="datetimeFigureOut">
               <a:rPr lang="ru-RU" smtClean="0"/>
-              <a:t>27.10.2016</a:t>
+              <a:t>03.11.2016</a:t>
             </a:fld>
             <a:endParaRPr lang="ru-RU"/>
           </a:p>
@@ -2096,7 +2097,7 @@
           <a:p>
             <a:fld id="{64EC1CE8-A29A-44CC-ACFB-0466E17C3988}" type="datetimeFigureOut">
               <a:rPr lang="ru-RU" smtClean="0"/>
-              <a:t>27.10.2016</a:t>
+              <a:t>03.11.2016</a:t>
             </a:fld>
             <a:endParaRPr lang="ru-RU"/>
           </a:p>
@@ -2353,7 +2354,7 @@
           <a:p>
             <a:fld id="{64EC1CE8-A29A-44CC-ACFB-0466E17C3988}" type="datetimeFigureOut">
               <a:rPr lang="ru-RU" smtClean="0"/>
-              <a:t>27.10.2016</a:t>
+              <a:t>03.11.2016</a:t>
             </a:fld>
             <a:endParaRPr lang="ru-RU"/>
           </a:p>
@@ -2566,7 +2567,7 @@
           <a:p>
             <a:fld id="{64EC1CE8-A29A-44CC-ACFB-0466E17C3988}" type="datetimeFigureOut">
               <a:rPr lang="ru-RU" smtClean="0"/>
-              <a:t>27.10.2016</a:t>
+              <a:t>03.11.2016</a:t>
             </a:fld>
             <a:endParaRPr lang="ru-RU"/>
           </a:p>
@@ -3013,6 +3014,59 @@
 </p:sld>
 </file>
 
+<file path=ppt/slides/slide2.xml><?xml version="1.0" encoding="utf-8"?>
+<p:sld xmlns:a="http://schemas.openxmlformats.org/drawingml/2006/main" xmlns:r="http://schemas.openxmlformats.org/officeDocument/2006/relationships" xmlns:p="http://schemas.openxmlformats.org/presentationml/2006/main">
+  <p:cSld>
+    <p:spTree>
+      <p:nvGrpSpPr>
+        <p:cNvPr id="1" name=""/>
+        <p:cNvGrpSpPr/>
+        <p:nvPr/>
+      </p:nvGrpSpPr>
+      <p:grpSpPr>
+        <a:xfrm>
+          <a:off x="0" y="0"/>
+          <a:ext cx="0" cy="0"/>
+          <a:chOff x="0" y="0"/>
+          <a:chExt cx="0" cy="0"/>
+        </a:xfrm>
+      </p:grpSpPr>
+      <p:pic>
+        <p:nvPicPr>
+          <p:cNvPr id="4" name="Рисунок 3"/>
+          <p:cNvPicPr>
+            <a:picLocks noChangeAspect="1"/>
+          </p:cNvPicPr>
+          <p:nvPr/>
+        </p:nvPicPr>
+        <p:blipFill rotWithShape="1">
+          <a:blip r:embed="rId2"/>
+          <a:srcRect l="28313" t="13122" r="31329" b="23976"/>
+          <a:stretch/>
+        </p:blipFill>
+        <p:spPr>
+          <a:xfrm>
+            <a:off x="202301" y="402109"/>
+            <a:ext cx="2564136" cy="2248032"/>
+          </a:xfrm>
+          <a:prstGeom prst="rect">
+            <a:avLst/>
+          </a:prstGeom>
+        </p:spPr>
+      </p:pic>
+    </p:spTree>
+    <p:extLst>
+      <p:ext uri="{BB962C8B-B14F-4D97-AF65-F5344CB8AC3E}">
+        <p14:creationId xmlns:p14="http://schemas.microsoft.com/office/powerpoint/2010/main" val="2251073202"/>
+      </p:ext>
+    </p:extLst>
+  </p:cSld>
+  <p:clrMapOvr>
+    <a:masterClrMapping/>
+  </p:clrMapOvr>
+</p:sld>
+</file>
+
 <file path=ppt/theme/theme1.xml><?xml version="1.0" encoding="utf-8"?>
 <a:theme xmlns:a="http://schemas.openxmlformats.org/drawingml/2006/main" name="Тема Office">
   <a:themeElements>

--- a/assets/portrait.pptx
+++ b/assets/portrait.pptx
@@ -7,6 +7,8 @@
   <p:sldIdLst>
     <p:sldId id="256" r:id="rId2"/>
     <p:sldId id="257" r:id="rId3"/>
+    <p:sldId id="258" r:id="rId4"/>
+    <p:sldId id="259" r:id="rId5"/>
   </p:sldIdLst>
   <p:sldSz cx="2879725" cy="2879725"/>
   <p:notesSz cx="6858000" cy="9144000"/>
@@ -244,7 +246,7 @@
           <a:p>
             <a:fld id="{64EC1CE8-A29A-44CC-ACFB-0466E17C3988}" type="datetimeFigureOut">
               <a:rPr lang="ru-RU" smtClean="0"/>
-              <a:t>03.11.2016</a:t>
+              <a:t>12.11.2016</a:t>
             </a:fld>
             <a:endParaRPr lang="ru-RU"/>
           </a:p>
@@ -414,7 +416,7 @@
           <a:p>
             <a:fld id="{64EC1CE8-A29A-44CC-ACFB-0466E17C3988}" type="datetimeFigureOut">
               <a:rPr lang="ru-RU" smtClean="0"/>
-              <a:t>03.11.2016</a:t>
+              <a:t>12.11.2016</a:t>
             </a:fld>
             <a:endParaRPr lang="ru-RU"/>
           </a:p>
@@ -594,7 +596,7 @@
           <a:p>
             <a:fld id="{64EC1CE8-A29A-44CC-ACFB-0466E17C3988}" type="datetimeFigureOut">
               <a:rPr lang="ru-RU" smtClean="0"/>
-              <a:t>03.11.2016</a:t>
+              <a:t>12.11.2016</a:t>
             </a:fld>
             <a:endParaRPr lang="ru-RU"/>
           </a:p>
@@ -764,7 +766,7 @@
           <a:p>
             <a:fld id="{64EC1CE8-A29A-44CC-ACFB-0466E17C3988}" type="datetimeFigureOut">
               <a:rPr lang="ru-RU" smtClean="0"/>
-              <a:t>03.11.2016</a:t>
+              <a:t>12.11.2016</a:t>
             </a:fld>
             <a:endParaRPr lang="ru-RU"/>
           </a:p>
@@ -1008,7 +1010,7 @@
           <a:p>
             <a:fld id="{64EC1CE8-A29A-44CC-ACFB-0466E17C3988}" type="datetimeFigureOut">
               <a:rPr lang="ru-RU" smtClean="0"/>
-              <a:t>03.11.2016</a:t>
+              <a:t>12.11.2016</a:t>
             </a:fld>
             <a:endParaRPr lang="ru-RU"/>
           </a:p>
@@ -1240,7 +1242,7 @@
           <a:p>
             <a:fld id="{64EC1CE8-A29A-44CC-ACFB-0466E17C3988}" type="datetimeFigureOut">
               <a:rPr lang="ru-RU" smtClean="0"/>
-              <a:t>03.11.2016</a:t>
+              <a:t>12.11.2016</a:t>
             </a:fld>
             <a:endParaRPr lang="ru-RU"/>
           </a:p>
@@ -1607,7 +1609,7 @@
           <a:p>
             <a:fld id="{64EC1CE8-A29A-44CC-ACFB-0466E17C3988}" type="datetimeFigureOut">
               <a:rPr lang="ru-RU" smtClean="0"/>
-              <a:t>03.11.2016</a:t>
+              <a:t>12.11.2016</a:t>
             </a:fld>
             <a:endParaRPr lang="ru-RU"/>
           </a:p>
@@ -1725,7 +1727,7 @@
           <a:p>
             <a:fld id="{64EC1CE8-A29A-44CC-ACFB-0466E17C3988}" type="datetimeFigureOut">
               <a:rPr lang="ru-RU" smtClean="0"/>
-              <a:t>03.11.2016</a:t>
+              <a:t>12.11.2016</a:t>
             </a:fld>
             <a:endParaRPr lang="ru-RU"/>
           </a:p>
@@ -1820,7 +1822,7 @@
           <a:p>
             <a:fld id="{64EC1CE8-A29A-44CC-ACFB-0466E17C3988}" type="datetimeFigureOut">
               <a:rPr lang="ru-RU" smtClean="0"/>
-              <a:t>03.11.2016</a:t>
+              <a:t>12.11.2016</a:t>
             </a:fld>
             <a:endParaRPr lang="ru-RU"/>
           </a:p>
@@ -2097,7 +2099,7 @@
           <a:p>
             <a:fld id="{64EC1CE8-A29A-44CC-ACFB-0466E17C3988}" type="datetimeFigureOut">
               <a:rPr lang="ru-RU" smtClean="0"/>
-              <a:t>03.11.2016</a:t>
+              <a:t>12.11.2016</a:t>
             </a:fld>
             <a:endParaRPr lang="ru-RU"/>
           </a:p>
@@ -2354,7 +2356,7 @@
           <a:p>
             <a:fld id="{64EC1CE8-A29A-44CC-ACFB-0466E17C3988}" type="datetimeFigureOut">
               <a:rPr lang="ru-RU" smtClean="0"/>
-              <a:t>03.11.2016</a:t>
+              <a:t>12.11.2016</a:t>
             </a:fld>
             <a:endParaRPr lang="ru-RU"/>
           </a:p>
@@ -2567,7 +2569,7 @@
           <a:p>
             <a:fld id="{64EC1CE8-A29A-44CC-ACFB-0466E17C3988}" type="datetimeFigureOut">
               <a:rPr lang="ru-RU" smtClean="0"/>
-              <a:t>03.11.2016</a:t>
+              <a:t>12.11.2016</a:t>
             </a:fld>
             <a:endParaRPr lang="ru-RU"/>
           </a:p>
@@ -3067,6 +3069,135 @@
 </p:sld>
 </file>
 
+<file path=ppt/slides/slide3.xml><?xml version="1.0" encoding="utf-8"?>
+<p:sld xmlns:a="http://schemas.openxmlformats.org/drawingml/2006/main" xmlns:r="http://schemas.openxmlformats.org/officeDocument/2006/relationships" xmlns:p="http://schemas.openxmlformats.org/presentationml/2006/main">
+  <p:cSld>
+    <p:spTree>
+      <p:nvGrpSpPr>
+        <p:cNvPr id="1" name=""/>
+        <p:cNvGrpSpPr/>
+        <p:nvPr/>
+      </p:nvGrpSpPr>
+      <p:grpSpPr>
+        <a:xfrm>
+          <a:off x="0" y="0"/>
+          <a:ext cx="0" cy="0"/>
+          <a:chOff x="0" y="0"/>
+          <a:chExt cx="0" cy="0"/>
+        </a:xfrm>
+      </p:grpSpPr>
+      <p:pic>
+        <p:nvPicPr>
+          <p:cNvPr id="4" name="Объект 3"/>
+          <p:cNvPicPr>
+            <a:picLocks noGrp="1" noChangeAspect="1"/>
+          </p:cNvPicPr>
+          <p:nvPr>
+            <p:ph idx="1"/>
+          </p:nvPr>
+        </p:nvPicPr>
+        <p:blipFill rotWithShape="1">
+          <a:blip r:embed="rId2">
+            <a:extLst>
+              <a:ext uri="{28A0092B-C50C-407E-A947-70E740481C1C}">
+                <a14:useLocalDpi xmlns:a14="http://schemas.microsoft.com/office/drawing/2010/main" val="0"/>
+              </a:ext>
+            </a:extLst>
+          </a:blip>
+          <a:srcRect l="16279" t="4022" r="6182" b="44676"/>
+          <a:stretch/>
+        </p:blipFill>
+        <p:spPr>
+          <a:xfrm>
+            <a:off x="-1" y="-1"/>
+            <a:ext cx="2896917" cy="2879725"/>
+          </a:xfrm>
+        </p:spPr>
+      </p:pic>
+    </p:spTree>
+    <p:extLst>
+      <p:ext uri="{BB962C8B-B14F-4D97-AF65-F5344CB8AC3E}">
+        <p14:creationId xmlns:p14="http://schemas.microsoft.com/office/powerpoint/2010/main" val="4294569070"/>
+      </p:ext>
+    </p:extLst>
+  </p:cSld>
+  <p:clrMapOvr>
+    <a:masterClrMapping/>
+  </p:clrMapOvr>
+</p:sld>
+</file>
+
+<file path=ppt/slides/slide4.xml><?xml version="1.0" encoding="utf-8"?>
+<p:sld xmlns:a="http://schemas.openxmlformats.org/drawingml/2006/main" xmlns:r="http://schemas.openxmlformats.org/officeDocument/2006/relationships" xmlns:p="http://schemas.openxmlformats.org/presentationml/2006/main">
+  <p:cSld>
+    <p:spTree>
+      <p:nvGrpSpPr>
+        <p:cNvPr id="1" name=""/>
+        <p:cNvGrpSpPr/>
+        <p:nvPr/>
+      </p:nvGrpSpPr>
+      <p:grpSpPr>
+        <a:xfrm>
+          <a:off x="0" y="0"/>
+          <a:ext cx="0" cy="0"/>
+          <a:chOff x="0" y="0"/>
+          <a:chExt cx="0" cy="0"/>
+        </a:xfrm>
+      </p:grpSpPr>
+      <p:pic>
+        <p:nvPicPr>
+          <p:cNvPr id="2054" name="Picture 6" descr="http://troparevo-nikulino.mos.ru/upload/img/mihnuk.png"/>
+          <p:cNvPicPr>
+            <a:picLocks noChangeAspect="1" noChangeArrowheads="1"/>
+          </p:cNvPicPr>
+          <p:nvPr/>
+        </p:nvPicPr>
+        <p:blipFill>
+          <a:blip r:embed="rId2">
+            <a:extLst>
+              <a:ext uri="{28A0092B-C50C-407E-A947-70E740481C1C}">
+                <a14:useLocalDpi xmlns:a14="http://schemas.microsoft.com/office/drawing/2010/main" val="0"/>
+              </a:ext>
+            </a:extLst>
+          </a:blip>
+          <a:srcRect/>
+          <a:stretch>
+            <a:fillRect/>
+          </a:stretch>
+        </p:blipFill>
+        <p:spPr bwMode="auto">
+          <a:xfrm>
+            <a:off x="326624" y="0"/>
+            <a:ext cx="2214499" cy="2879725"/>
+          </a:xfrm>
+          <a:prstGeom prst="rect">
+            <a:avLst/>
+          </a:prstGeom>
+          <a:noFill/>
+          <a:extLst>
+            <a:ext uri="{909E8E84-426E-40DD-AFC4-6F175D3DCCD1}">
+              <a14:hiddenFill xmlns:a14="http://schemas.microsoft.com/office/drawing/2010/main">
+                <a:solidFill>
+                  <a:srgbClr val="FFFFFF"/>
+                </a:solidFill>
+              </a14:hiddenFill>
+            </a:ext>
+          </a:extLst>
+        </p:spPr>
+      </p:pic>
+    </p:spTree>
+    <p:extLst>
+      <p:ext uri="{BB962C8B-B14F-4D97-AF65-F5344CB8AC3E}">
+        <p14:creationId xmlns:p14="http://schemas.microsoft.com/office/powerpoint/2010/main" val="2523450826"/>
+      </p:ext>
+    </p:extLst>
+  </p:cSld>
+  <p:clrMapOvr>
+    <a:masterClrMapping/>
+  </p:clrMapOvr>
+</p:sld>
+</file>
+
 <file path=ppt/theme/theme1.xml><?xml version="1.0" encoding="utf-8"?>
 <a:theme xmlns:a="http://schemas.openxmlformats.org/drawingml/2006/main" name="Тема Office">
   <a:themeElements>
